--- a/Presentation.pptx
+++ b/Presentation.pptx
@@ -6205,7 +6205,10 @@
           <a:bodyPr/>
           <a:lstStyle/>
           <a:p>
-            <a:endParaRPr lang="en-US"/>
+            <a:r>
+              <a:rPr lang="en-US" dirty="0"/>
+              <a:t>characters</a:t>
+            </a:r>
           </a:p>
         </p:txBody>
       </p:sp>
@@ -6227,13 +6230,135 @@
         </p:nvSpPr>
         <p:spPr/>
         <p:txBody>
-          <a:bodyPr/>
-          <a:lstStyle/>
-          <a:p>
-            <a:endParaRPr lang="en-US"/>
-          </a:p>
-        </p:txBody>
-      </p:sp>
+          <a:bodyPr>
+            <a:normAutofit/>
+          </a:bodyPr>
+          <a:lstStyle/>
+          <a:p>
+            <a:pPr marL="0" indent="0">
+              <a:buNone/>
+            </a:pPr>
+            <a:r>
+              <a:rPr lang="en-US" sz="3600" dirty="0"/>
+              <a:t>- Player 1</a:t>
+            </a:r>
+          </a:p>
+          <a:p>
+            <a:endParaRPr lang="en-US" sz="3600" dirty="0"/>
+          </a:p>
+          <a:p>
+            <a:pPr marL="0" indent="0">
+              <a:buNone/>
+            </a:pPr>
+            <a:r>
+              <a:rPr lang="en-US" sz="3600" dirty="0"/>
+              <a:t>- Player 2</a:t>
+            </a:r>
+          </a:p>
+          <a:p>
+            <a:endParaRPr lang="en-US" sz="3600" dirty="0"/>
+          </a:p>
+          <a:p>
+            <a:pPr marL="0" indent="0">
+              <a:buNone/>
+            </a:pPr>
+            <a:r>
+              <a:rPr lang="en-US" sz="3600" dirty="0"/>
+              <a:t>- Angry Professor </a:t>
+            </a:r>
+          </a:p>
+        </p:txBody>
+      </p:sp>
+      <p:pic>
+        <p:nvPicPr>
+          <p:cNvPr id="5" name="Picture 4">
+            <a:extLst>
+              <a:ext uri="{FF2B5EF4-FFF2-40B4-BE49-F238E27FC236}">
+                <a16:creationId xmlns:a16="http://schemas.microsoft.com/office/drawing/2014/main" id="{0A0A07FB-FCB9-C502-D75B-EA1462A0BCFE}"/>
+              </a:ext>
+            </a:extLst>
+          </p:cNvPr>
+          <p:cNvPicPr>
+            <a:picLocks noChangeAspect="1"/>
+          </p:cNvPicPr>
+          <p:nvPr/>
+        </p:nvPicPr>
+        <p:blipFill>
+          <a:blip r:embed="rId2"/>
+          <a:stretch>
+            <a:fillRect/>
+          </a:stretch>
+        </p:blipFill>
+        <p:spPr>
+          <a:xfrm>
+            <a:off x="5011221" y="1947444"/>
+            <a:ext cx="1063611" cy="1063611"/>
+          </a:xfrm>
+          <a:prstGeom prst="rect">
+            <a:avLst/>
+          </a:prstGeom>
+        </p:spPr>
+      </p:pic>
+      <p:pic>
+        <p:nvPicPr>
+          <p:cNvPr id="7" name="Picture 6" descr="Icon&#10;&#10;Description automatically generated">
+            <a:extLst>
+              <a:ext uri="{FF2B5EF4-FFF2-40B4-BE49-F238E27FC236}">
+                <a16:creationId xmlns:a16="http://schemas.microsoft.com/office/drawing/2014/main" id="{510310DE-9BB7-C160-D81C-0B941F17470C}"/>
+              </a:ext>
+            </a:extLst>
+          </p:cNvPr>
+          <p:cNvPicPr>
+            <a:picLocks noChangeAspect="1"/>
+          </p:cNvPicPr>
+          <p:nvPr/>
+        </p:nvPicPr>
+        <p:blipFill>
+          <a:blip r:embed="rId3"/>
+          <a:stretch>
+            <a:fillRect/>
+          </a:stretch>
+        </p:blipFill>
+        <p:spPr>
+          <a:xfrm>
+            <a:off x="5011220" y="3551258"/>
+            <a:ext cx="1062000" cy="1062000"/>
+          </a:xfrm>
+          <a:prstGeom prst="rect">
+            <a:avLst/>
+          </a:prstGeom>
+        </p:spPr>
+      </p:pic>
+      <p:pic>
+        <p:nvPicPr>
+          <p:cNvPr id="9" name="Picture 8" descr="Icon&#10;&#10;Description automatically generated">
+            <a:extLst>
+              <a:ext uri="{FF2B5EF4-FFF2-40B4-BE49-F238E27FC236}">
+                <a16:creationId xmlns:a16="http://schemas.microsoft.com/office/drawing/2014/main" id="{46BF03AA-B707-CE2C-BBB6-1816DC299E88}"/>
+              </a:ext>
+            </a:extLst>
+          </p:cNvPr>
+          <p:cNvPicPr>
+            <a:picLocks noChangeAspect="1"/>
+          </p:cNvPicPr>
+          <p:nvPr/>
+        </p:nvPicPr>
+        <p:blipFill>
+          <a:blip r:embed="rId4"/>
+          <a:stretch>
+            <a:fillRect/>
+          </a:stretch>
+        </p:blipFill>
+        <p:spPr>
+          <a:xfrm>
+            <a:off x="5064603" y="4752028"/>
+            <a:ext cx="956844" cy="956844"/>
+          </a:xfrm>
+          <a:prstGeom prst="rect">
+            <a:avLst/>
+          </a:prstGeom>
+        </p:spPr>
+      </p:pic>
     </p:spTree>
     <p:extLst>
       <p:ext uri="{BB962C8B-B14F-4D97-AF65-F5344CB8AC3E}">

--- a/Presentation.pptx
+++ b/Presentation.pptx
@@ -11,10 +11,12 @@
     <p:sldId id="258" r:id="rId5"/>
     <p:sldId id="260" r:id="rId6"/>
     <p:sldId id="261" r:id="rId7"/>
-    <p:sldId id="262" r:id="rId8"/>
-    <p:sldId id="263" r:id="rId9"/>
+    <p:sldId id="263" r:id="rId8"/>
+    <p:sldId id="262" r:id="rId9"/>
     <p:sldId id="264" r:id="rId10"/>
-    <p:sldId id="265" r:id="rId11"/>
+    <p:sldId id="266" r:id="rId11"/>
+    <p:sldId id="267" r:id="rId12"/>
+    <p:sldId id="265" r:id="rId13"/>
   </p:sldIdLst>
   <p:sldSz cx="12192000" cy="6858000"/>
   <p:notesSz cx="6858000" cy="9144000"/>
@@ -113,6 +115,11 @@
       </a:defRPr>
     </a:lvl9pPr>
   </p:defaultTextStyle>
+  <p:extLst>
+    <p:ext uri="{EFAFB233-063F-42B5-8137-9DF3F51BA10A}">
+      <p15:sldGuideLst xmlns:p15="http://schemas.microsoft.com/office/powerpoint/2012/main"/>
+    </p:ext>
+  </p:extLst>
 </p:presentation>
 </file>
 
@@ -286,7 +293,7 @@
           <a:p>
             <a:fld id="{48A87A34-81AB-432B-8DAE-1953F412C126}" type="datetimeFigureOut">
               <a:rPr lang="en-US" dirty="0"/>
-              <a:t>5/11/22</a:t>
+              <a:t>5/11/2022</a:t>
             </a:fld>
             <a:endParaRPr lang="en-US" dirty="0"/>
           </a:p>
@@ -548,7 +555,7 @@
           <a:p>
             <a:fld id="{48A87A34-81AB-432B-8DAE-1953F412C126}" type="datetimeFigureOut">
               <a:rPr lang="en-US" dirty="0"/>
-              <a:t>5/11/22</a:t>
+              <a:t>5/11/2022</a:t>
             </a:fld>
             <a:endParaRPr lang="en-US" dirty="0"/>
           </a:p>
@@ -775,7 +782,7 @@
             <a:fld id="{48A87A34-81AB-432B-8DAE-1953F412C126}" type="datetimeFigureOut">
               <a:rPr lang="en-US" dirty="0"/>
               <a:pPr/>
-              <a:t>5/11/22</a:t>
+              <a:t>5/11/2022</a:t>
             </a:fld>
             <a:endParaRPr lang="en-US" dirty="0"/>
           </a:p>
@@ -1081,7 +1088,7 @@
             <a:fld id="{48A87A34-81AB-432B-8DAE-1953F412C126}" type="datetimeFigureOut">
               <a:rPr lang="en-US" dirty="0"/>
               <a:pPr/>
-              <a:t>5/11/22</a:t>
+              <a:t>5/11/2022</a:t>
             </a:fld>
             <a:endParaRPr lang="en-US" dirty="0"/>
           </a:p>
@@ -1550,7 +1557,7 @@
             <a:fld id="{48A87A34-81AB-432B-8DAE-1953F412C126}" type="datetimeFigureOut">
               <a:rPr lang="en-US" dirty="0"/>
               <a:pPr/>
-              <a:t>5/11/22</a:t>
+              <a:t>5/11/2022</a:t>
             </a:fld>
             <a:endParaRPr lang="en-US" dirty="0"/>
           </a:p>
@@ -2092,7 +2099,7 @@
           <a:p>
             <a:fld id="{48A87A34-81AB-432B-8DAE-1953F412C126}" type="datetimeFigureOut">
               <a:rPr lang="en-US" dirty="0"/>
-              <a:t>5/11/22</a:t>
+              <a:t>5/11/2022</a:t>
             </a:fld>
             <a:endParaRPr lang="en-US" dirty="0"/>
           </a:p>
@@ -2861,7 +2868,7 @@
           <a:p>
             <a:fld id="{48A87A34-81AB-432B-8DAE-1953F412C126}" type="datetimeFigureOut">
               <a:rPr lang="en-US" dirty="0"/>
-              <a:t>5/11/22</a:t>
+              <a:t>5/11/2022</a:t>
             </a:fld>
             <a:endParaRPr lang="en-US" dirty="0"/>
           </a:p>
@@ -3031,7 +3038,7 @@
           <a:p>
             <a:fld id="{48A87A34-81AB-432B-8DAE-1953F412C126}" type="datetimeFigureOut">
               <a:rPr lang="en-US" dirty="0"/>
-              <a:t>5/11/22</a:t>
+              <a:t>5/11/2022</a:t>
             </a:fld>
             <a:endParaRPr lang="en-US" dirty="0"/>
           </a:p>
@@ -3250,7 +3257,7 @@
             <a:fld id="{48A87A34-81AB-432B-8DAE-1953F412C126}" type="datetimeFigureOut">
               <a:rPr lang="en-US" dirty="0"/>
               <a:pPr/>
-              <a:t>5/11/22</a:t>
+              <a:t>5/11/2022</a:t>
             </a:fld>
             <a:endParaRPr lang="en-US" dirty="0"/>
           </a:p>
@@ -3425,7 +3432,7 @@
           <a:p>
             <a:fld id="{48A87A34-81AB-432B-8DAE-1953F412C126}" type="datetimeFigureOut">
               <a:rPr lang="en-US" dirty="0"/>
-              <a:t>5/11/22</a:t>
+              <a:t>5/11/2022</a:t>
             </a:fld>
             <a:endParaRPr lang="en-US" dirty="0"/>
           </a:p>
@@ -3710,7 +3717,7 @@
             <a:fld id="{48A87A34-81AB-432B-8DAE-1953F412C126}" type="datetimeFigureOut">
               <a:rPr lang="en-US" dirty="0"/>
               <a:pPr/>
-              <a:t>5/11/22</a:t>
+              <a:t>5/11/2022</a:t>
             </a:fld>
             <a:endParaRPr lang="en-US" dirty="0"/>
           </a:p>
@@ -3947,7 +3954,7 @@
           <a:p>
             <a:fld id="{48A87A34-81AB-432B-8DAE-1953F412C126}" type="datetimeFigureOut">
               <a:rPr lang="en-US" dirty="0"/>
-              <a:t>5/11/22</a:t>
+              <a:t>5/11/2022</a:t>
             </a:fld>
             <a:endParaRPr lang="en-US" dirty="0"/>
           </a:p>
@@ -4321,7 +4328,7 @@
           <a:p>
             <a:fld id="{48A87A34-81AB-432B-8DAE-1953F412C126}" type="datetimeFigureOut">
               <a:rPr lang="en-US" dirty="0"/>
-              <a:t>5/11/22</a:t>
+              <a:t>5/11/2022</a:t>
             </a:fld>
             <a:endParaRPr lang="en-US" dirty="0"/>
           </a:p>
@@ -4434,7 +4441,7 @@
           <a:p>
             <a:fld id="{48A87A34-81AB-432B-8DAE-1953F412C126}" type="datetimeFigureOut">
               <a:rPr lang="en-US" dirty="0"/>
-              <a:t>5/11/22</a:t>
+              <a:t>5/11/2022</a:t>
             </a:fld>
             <a:endParaRPr lang="en-US" dirty="0"/>
           </a:p>
@@ -4524,7 +4531,7 @@
           <a:p>
             <a:fld id="{48A87A34-81AB-432B-8DAE-1953F412C126}" type="datetimeFigureOut">
               <a:rPr lang="en-US" dirty="0"/>
-              <a:t>5/11/22</a:t>
+              <a:t>5/11/2022</a:t>
             </a:fld>
             <a:endParaRPr lang="en-US" dirty="0"/>
           </a:p>
@@ -4768,7 +4775,7 @@
           <a:p>
             <a:fld id="{48A87A34-81AB-432B-8DAE-1953F412C126}" type="datetimeFigureOut">
               <a:rPr lang="en-US" dirty="0"/>
-              <a:t>5/11/22</a:t>
+              <a:t>5/11/2022</a:t>
             </a:fld>
             <a:endParaRPr lang="en-US" dirty="0"/>
           </a:p>
@@ -5020,7 +5027,7 @@
           <a:p>
             <a:fld id="{48A87A34-81AB-432B-8DAE-1953F412C126}" type="datetimeFigureOut">
               <a:rPr lang="en-US" dirty="0"/>
-              <a:t>5/11/22</a:t>
+              <a:t>5/11/2022</a:t>
             </a:fld>
             <a:endParaRPr lang="en-US" dirty="0"/>
           </a:p>
@@ -5259,7 +5266,7 @@
             <a:fld id="{48A87A34-81AB-432B-8DAE-1953F412C126}" type="datetimeFigureOut">
               <a:rPr lang="en-US" dirty="0"/>
               <a:pPr/>
-              <a:t>5/11/22</a:t>
+              <a:t>5/11/2022</a:t>
             </a:fld>
             <a:endParaRPr lang="en-US" dirty="0"/>
           </a:p>
@@ -5682,7 +5689,12 @@
             <p:ph type="ctrTitle"/>
           </p:nvPr>
         </p:nvSpPr>
-        <p:spPr/>
+        <p:spPr>
+          <a:xfrm>
+            <a:off x="1558031" y="1530049"/>
+            <a:ext cx="9448800" cy="1825096"/>
+          </a:xfrm>
+        </p:spPr>
         <p:txBody>
           <a:bodyPr/>
           <a:lstStyle/>
@@ -5691,31 +5703,6 @@
               <a:rPr lang="en-US" dirty="0"/>
               <a:t>2 player maze game</a:t>
             </a:r>
-          </a:p>
-        </p:txBody>
-      </p:sp>
-      <p:sp>
-        <p:nvSpPr>
-          <p:cNvPr id="3" name="Subtitle 2">
-            <a:extLst>
-              <a:ext uri="{FF2B5EF4-FFF2-40B4-BE49-F238E27FC236}">
-                <a16:creationId xmlns:a16="http://schemas.microsoft.com/office/drawing/2014/main" id="{9AB8AD5A-E64E-21CD-3FE2-C31AEEAFD925}"/>
-              </a:ext>
-            </a:extLst>
-          </p:cNvPr>
-          <p:cNvSpPr>
-            <a:spLocks noGrp="1"/>
-          </p:cNvSpPr>
-          <p:nvPr>
-            <p:ph type="subTitle" idx="1"/>
-          </p:nvPr>
-        </p:nvSpPr>
-        <p:spPr/>
-        <p:txBody>
-          <a:bodyPr/>
-          <a:lstStyle/>
-          <a:p>
-            <a:endParaRPr lang="en-US"/>
           </a:p>
         </p:txBody>
       </p:sp>
@@ -5754,6 +5741,198 @@
           <p:cNvPr id="2" name="Title 1">
             <a:extLst>
               <a:ext uri="{FF2B5EF4-FFF2-40B4-BE49-F238E27FC236}">
+                <a16:creationId xmlns:a16="http://schemas.microsoft.com/office/drawing/2014/main" id="{1099B78C-B771-CCAD-62BE-7E45F63BCE2D}"/>
+              </a:ext>
+            </a:extLst>
+          </p:cNvPr>
+          <p:cNvSpPr>
+            <a:spLocks noGrp="1"/>
+          </p:cNvSpPr>
+          <p:nvPr>
+            <p:ph type="title"/>
+          </p:nvPr>
+        </p:nvSpPr>
+        <p:spPr>
+          <a:xfrm>
+            <a:off x="1790700" y="0"/>
+            <a:ext cx="8610600" cy="739302"/>
+          </a:xfrm>
+        </p:spPr>
+        <p:txBody>
+          <a:bodyPr>
+            <a:normAutofit/>
+          </a:bodyPr>
+          <a:lstStyle/>
+          <a:p>
+            <a:pPr algn="ctr"/>
+            <a:r>
+              <a:rPr lang="en-US" sz="2800" dirty="0"/>
+              <a:t>When you play the Game, it looks like this.</a:t>
+            </a:r>
+          </a:p>
+        </p:txBody>
+      </p:sp>
+      <p:pic>
+        <p:nvPicPr>
+          <p:cNvPr id="4" name="Picture 3" descr="A picture containing diagram&#10;&#10;Description automatically generated">
+            <a:extLst>
+              <a:ext uri="{FF2B5EF4-FFF2-40B4-BE49-F238E27FC236}">
+                <a16:creationId xmlns:a16="http://schemas.microsoft.com/office/drawing/2014/main" id="{0B83642D-383C-41B1-AAD8-543F8D6AEE98}"/>
+              </a:ext>
+            </a:extLst>
+          </p:cNvPr>
+          <p:cNvPicPr>
+            <a:picLocks noChangeAspect="1"/>
+          </p:cNvPicPr>
+          <p:nvPr/>
+        </p:nvPicPr>
+        <p:blipFill>
+          <a:blip r:embed="rId2"/>
+          <a:stretch>
+            <a:fillRect/>
+          </a:stretch>
+        </p:blipFill>
+        <p:spPr>
+          <a:xfrm>
+            <a:off x="1790700" y="593387"/>
+            <a:ext cx="8851023" cy="6158221"/>
+          </a:xfrm>
+          <a:prstGeom prst="rect">
+            <a:avLst/>
+          </a:prstGeom>
+        </p:spPr>
+      </p:pic>
+    </p:spTree>
+    <p:extLst>
+      <p:ext uri="{BB962C8B-B14F-4D97-AF65-F5344CB8AC3E}">
+        <p14:creationId xmlns:p14="http://schemas.microsoft.com/office/powerpoint/2010/main" val="826111737"/>
+      </p:ext>
+    </p:extLst>
+  </p:cSld>
+  <p:clrMapOvr>
+    <a:masterClrMapping/>
+  </p:clrMapOvr>
+</p:sld>
+</file>
+
+<file path=ppt/slides/slide11.xml><?xml version="1.0" encoding="utf-8"?>
+<p:sld xmlns:a="http://schemas.openxmlformats.org/drawingml/2006/main" xmlns:r="http://schemas.openxmlformats.org/officeDocument/2006/relationships" xmlns:p="http://schemas.openxmlformats.org/presentationml/2006/main">
+  <p:cSld>
+    <p:spTree>
+      <p:nvGrpSpPr>
+        <p:cNvPr id="1" name=""/>
+        <p:cNvGrpSpPr/>
+        <p:nvPr/>
+      </p:nvGrpSpPr>
+      <p:grpSpPr>
+        <a:xfrm>
+          <a:off x="0" y="0"/>
+          <a:ext cx="0" cy="0"/>
+          <a:chOff x="0" y="0"/>
+          <a:chExt cx="0" cy="0"/>
+        </a:xfrm>
+      </p:grpSpPr>
+      <p:sp>
+        <p:nvSpPr>
+          <p:cNvPr id="2" name="Title 1">
+            <a:extLst>
+              <a:ext uri="{FF2B5EF4-FFF2-40B4-BE49-F238E27FC236}">
+                <a16:creationId xmlns:a16="http://schemas.microsoft.com/office/drawing/2014/main" id="{1099B78C-B771-CCAD-62BE-7E45F63BCE2D}"/>
+              </a:ext>
+            </a:extLst>
+          </p:cNvPr>
+          <p:cNvSpPr>
+            <a:spLocks noGrp="1"/>
+          </p:cNvSpPr>
+          <p:nvPr>
+            <p:ph type="title"/>
+          </p:nvPr>
+        </p:nvSpPr>
+        <p:spPr>
+          <a:xfrm>
+            <a:off x="1790700" y="0"/>
+            <a:ext cx="8610600" cy="739302"/>
+          </a:xfrm>
+        </p:spPr>
+        <p:txBody>
+          <a:bodyPr>
+            <a:normAutofit/>
+          </a:bodyPr>
+          <a:lstStyle/>
+          <a:p>
+            <a:pPr algn="ctr"/>
+            <a:r>
+              <a:rPr lang="en-US" sz="2800" dirty="0"/>
+              <a:t>When you play the Game, it looks like this.</a:t>
+            </a:r>
+          </a:p>
+        </p:txBody>
+      </p:sp>
+      <p:pic>
+        <p:nvPicPr>
+          <p:cNvPr id="5" name="Picture 4" descr="A picture containing graphical user interface&#10;&#10;Description automatically generated">
+            <a:extLst>
+              <a:ext uri="{FF2B5EF4-FFF2-40B4-BE49-F238E27FC236}">
+                <a16:creationId xmlns:a16="http://schemas.microsoft.com/office/drawing/2014/main" id="{C93B49FA-8C9D-44DF-ACD9-27AE0CDAFDFA}"/>
+              </a:ext>
+            </a:extLst>
+          </p:cNvPr>
+          <p:cNvPicPr>
+            <a:picLocks noChangeAspect="1"/>
+          </p:cNvPicPr>
+          <p:nvPr/>
+        </p:nvPicPr>
+        <p:blipFill>
+          <a:blip r:embed="rId2"/>
+          <a:stretch>
+            <a:fillRect/>
+          </a:stretch>
+        </p:blipFill>
+        <p:spPr>
+          <a:xfrm>
+            <a:off x="97276" y="641638"/>
+            <a:ext cx="11997447" cy="5864374"/>
+          </a:xfrm>
+          <a:prstGeom prst="rect">
+            <a:avLst/>
+          </a:prstGeom>
+        </p:spPr>
+      </p:pic>
+    </p:spTree>
+    <p:extLst>
+      <p:ext uri="{BB962C8B-B14F-4D97-AF65-F5344CB8AC3E}">
+        <p14:creationId xmlns:p14="http://schemas.microsoft.com/office/powerpoint/2010/main" val="1867195738"/>
+      </p:ext>
+    </p:extLst>
+  </p:cSld>
+  <p:clrMapOvr>
+    <a:masterClrMapping/>
+  </p:clrMapOvr>
+</p:sld>
+</file>
+
+<file path=ppt/slides/slide12.xml><?xml version="1.0" encoding="utf-8"?>
+<p:sld xmlns:a="http://schemas.openxmlformats.org/drawingml/2006/main" xmlns:r="http://schemas.openxmlformats.org/officeDocument/2006/relationships" xmlns:p="http://schemas.openxmlformats.org/presentationml/2006/main">
+  <p:cSld>
+    <p:spTree>
+      <p:nvGrpSpPr>
+        <p:cNvPr id="1" name=""/>
+        <p:cNvGrpSpPr/>
+        <p:nvPr/>
+      </p:nvGrpSpPr>
+      <p:grpSpPr>
+        <a:xfrm>
+          <a:off x="0" y="0"/>
+          <a:ext cx="0" cy="0"/>
+          <a:chOff x="0" y="0"/>
+          <a:chExt cx="0" cy="0"/>
+        </a:xfrm>
+      </p:grpSpPr>
+      <p:sp>
+        <p:nvSpPr>
+          <p:cNvPr id="2" name="Title 1">
+            <a:extLst>
+              <a:ext uri="{FF2B5EF4-FFF2-40B4-BE49-F238E27FC236}">
                 <a16:creationId xmlns:a16="http://schemas.microsoft.com/office/drawing/2014/main" id="{852FDFA7-57CA-80E4-ABBB-0008EC55538C}"/>
               </a:ext>
             </a:extLst>
@@ -5831,12 +6010,8 @@
               <a:buNone/>
             </a:pPr>
             <a:r>
-              <a:rPr lang="en-US" sz="3600" dirty="0" err="1"/>
-              <a:t>Anaad</a:t>
-            </a:r>
-            <a:r>
               <a:rPr lang="en-US" sz="3600" dirty="0"/>
-              <a:t> Kaur</a:t>
+              <a:t>Anaad Kaur</a:t>
             </a:r>
           </a:p>
           <a:p>
@@ -5944,7 +6119,7 @@
           <a:p>
             <a:r>
               <a:rPr lang="en-US" sz="3600" dirty="0"/>
-              <a:t>One player starts from the girl’s hostel side and the other one starts from boy’s hostel</a:t>
+              <a:t>One player starts from the girls’ hostel side (at Himadri) and the other one starts from boys’ hostel (at Jwala)</a:t>
             </a:r>
           </a:p>
           <a:p>
@@ -6029,25 +6204,25 @@
         <p:spPr/>
         <p:txBody>
           <a:bodyPr>
-            <a:normAutofit/>
+            <a:normAutofit lnSpcReduction="10000"/>
           </a:bodyPr>
           <a:lstStyle/>
           <a:p>
             <a:r>
               <a:rPr lang="en-US" sz="3600" dirty="0"/>
-              <a:t>The Players are allowed to move only on the campus roads</a:t>
+              <a:t>The Players are allowed to move only on the campus roads.</a:t>
             </a:r>
           </a:p>
           <a:p>
             <a:r>
               <a:rPr lang="en-US" sz="3600" dirty="0"/>
-              <a:t>There are Professors chasing the players who can move anywhere freely</a:t>
+              <a:t>There are Professors chasing the players who can move anywhere freely.</a:t>
             </a:r>
           </a:p>
           <a:p>
             <a:r>
               <a:rPr lang="en-US" sz="3600" dirty="0"/>
-              <a:t>If they catch the player, it is transported to LHC to do an assignment</a:t>
+              <a:t>If they catch the player, it is transported to LHC to do an assignment. Players may choose to intentionally hit a prof to be transported closer to their destination.</a:t>
             </a:r>
           </a:p>
           <a:p>
@@ -6131,7 +6306,7 @@
         </p:nvSpPr>
         <p:spPr>
           <a:xfrm>
-            <a:off x="685800" y="3170712"/>
+            <a:off x="685800" y="2274067"/>
             <a:ext cx="10820400" cy="3047973"/>
           </a:xfrm>
         </p:spPr>
@@ -6143,13 +6318,13 @@
           <a:p>
             <a:r>
               <a:rPr lang="en-US" sz="3600" dirty="0"/>
-              <a:t>They both get randomly generated tasks.</a:t>
+              <a:t>Both players get randomly generated tasks (like “Buy ORS from Apollo”, or “Visit the research park”).</a:t>
             </a:r>
           </a:p>
           <a:p>
             <a:r>
               <a:rPr lang="en-US" sz="3600" dirty="0"/>
-              <a:t>Whoever completes the task first wins</a:t>
+              <a:t>Whoever completes the task first wins and the game ends.</a:t>
             </a:r>
           </a:p>
         </p:txBody>
@@ -6200,165 +6375,67 @@
             <p:ph type="title"/>
           </p:nvPr>
         </p:nvSpPr>
-        <p:spPr/>
-        <p:txBody>
-          <a:bodyPr/>
-          <a:lstStyle/>
-          <a:p>
-            <a:r>
-              <a:rPr lang="en-US" dirty="0"/>
-              <a:t>characters</a:t>
-            </a:r>
-          </a:p>
-        </p:txBody>
-      </p:sp>
-      <p:sp>
-        <p:nvSpPr>
-          <p:cNvPr id="3" name="Content Placeholder 2">
-            <a:extLst>
-              <a:ext uri="{FF2B5EF4-FFF2-40B4-BE49-F238E27FC236}">
-                <a16:creationId xmlns:a16="http://schemas.microsoft.com/office/drawing/2014/main" id="{C5178A38-D555-C7BF-A2B7-A46E9DFE99C2}"/>
-              </a:ext>
-            </a:extLst>
-          </p:cNvPr>
-          <p:cNvSpPr>
-            <a:spLocks noGrp="1"/>
-          </p:cNvSpPr>
-          <p:nvPr>
-            <p:ph idx="1"/>
-          </p:nvPr>
-        </p:nvSpPr>
-        <p:spPr/>
+        <p:spPr>
+          <a:xfrm>
+            <a:off x="1494817" y="311285"/>
+            <a:ext cx="8610600" cy="6011693"/>
+          </a:xfrm>
+        </p:spPr>
         <p:txBody>
           <a:bodyPr>
             <a:normAutofit/>
           </a:bodyPr>
           <a:lstStyle/>
           <a:p>
-            <a:pPr marL="0" indent="0">
-              <a:buNone/>
-            </a:pPr>
-            <a:r>
-              <a:rPr lang="en-US" sz="3600" dirty="0"/>
-              <a:t>- Player 1</a:t>
-            </a:r>
-          </a:p>
-          <a:p>
-            <a:endParaRPr lang="en-US" sz="3600" dirty="0"/>
-          </a:p>
-          <a:p>
-            <a:pPr marL="0" indent="0">
-              <a:buNone/>
-            </a:pPr>
-            <a:r>
-              <a:rPr lang="en-US" sz="3600" dirty="0"/>
-              <a:t>- Player 2</a:t>
-            </a:r>
-          </a:p>
-          <a:p>
-            <a:endParaRPr lang="en-US" sz="3600" dirty="0"/>
-          </a:p>
-          <a:p>
-            <a:pPr marL="0" indent="0">
-              <a:buNone/>
-            </a:pPr>
-            <a:r>
-              <a:rPr lang="en-US" sz="3600" dirty="0"/>
-              <a:t>- Angry Professor </a:t>
-            </a:r>
-          </a:p>
-        </p:txBody>
-      </p:sp>
-      <p:pic>
-        <p:nvPicPr>
-          <p:cNvPr id="5" name="Picture 4">
-            <a:extLst>
-              <a:ext uri="{FF2B5EF4-FFF2-40B4-BE49-F238E27FC236}">
-                <a16:creationId xmlns:a16="http://schemas.microsoft.com/office/drawing/2014/main" id="{0A0A07FB-FCB9-C502-D75B-EA1462A0BCFE}"/>
-              </a:ext>
-            </a:extLst>
-          </p:cNvPr>
-          <p:cNvPicPr>
-            <a:picLocks noChangeAspect="1"/>
-          </p:cNvPicPr>
-          <p:nvPr/>
-        </p:nvPicPr>
-        <p:blipFill>
-          <a:blip r:embed="rId2"/>
-          <a:stretch>
-            <a:fillRect/>
-          </a:stretch>
-        </p:blipFill>
-        <p:spPr>
-          <a:xfrm>
-            <a:off x="5011221" y="1947444"/>
-            <a:ext cx="1063611" cy="1063611"/>
-          </a:xfrm>
-          <a:prstGeom prst="rect">
-            <a:avLst/>
-          </a:prstGeom>
-        </p:spPr>
-      </p:pic>
-      <p:pic>
-        <p:nvPicPr>
-          <p:cNvPr id="7" name="Picture 6" descr="Icon&#10;&#10;Description automatically generated">
-            <a:extLst>
-              <a:ext uri="{FF2B5EF4-FFF2-40B4-BE49-F238E27FC236}">
-                <a16:creationId xmlns:a16="http://schemas.microsoft.com/office/drawing/2014/main" id="{510310DE-9BB7-C160-D81C-0B941F17470C}"/>
-              </a:ext>
-            </a:extLst>
-          </p:cNvPr>
-          <p:cNvPicPr>
-            <a:picLocks noChangeAspect="1"/>
-          </p:cNvPicPr>
-          <p:nvPr/>
-        </p:nvPicPr>
-        <p:blipFill>
-          <a:blip r:embed="rId3"/>
-          <a:stretch>
-            <a:fillRect/>
-          </a:stretch>
-        </p:blipFill>
-        <p:spPr>
-          <a:xfrm>
-            <a:off x="5011220" y="3551258"/>
-            <a:ext cx="1062000" cy="1062000"/>
-          </a:xfrm>
-          <a:prstGeom prst="rect">
-            <a:avLst/>
-          </a:prstGeom>
-        </p:spPr>
-      </p:pic>
-      <p:pic>
-        <p:nvPicPr>
-          <p:cNvPr id="9" name="Picture 8" descr="Icon&#10;&#10;Description automatically generated">
-            <a:extLst>
-              <a:ext uri="{FF2B5EF4-FFF2-40B4-BE49-F238E27FC236}">
-                <a16:creationId xmlns:a16="http://schemas.microsoft.com/office/drawing/2014/main" id="{46BF03AA-B707-CE2C-BBB6-1816DC299E88}"/>
-              </a:ext>
-            </a:extLst>
-          </p:cNvPr>
-          <p:cNvPicPr>
-            <a:picLocks noChangeAspect="1"/>
-          </p:cNvPicPr>
-          <p:nvPr/>
-        </p:nvPicPr>
-        <p:blipFill>
-          <a:blip r:embed="rId4"/>
-          <a:stretch>
-            <a:fillRect/>
-          </a:stretch>
-        </p:blipFill>
-        <p:spPr>
-          <a:xfrm>
-            <a:off x="5064603" y="4752028"/>
-            <a:ext cx="956844" cy="956844"/>
-          </a:xfrm>
-          <a:prstGeom prst="rect">
-            <a:avLst/>
-          </a:prstGeom>
-        </p:spPr>
-      </p:pic>
+            <a:pPr algn="ctr"/>
+            <a:r>
+              <a:rPr lang="en-US" sz="2400" dirty="0"/>
+              <a:t>AT the start, you get a message saying “Welcome! Your tasks are being generated.”</a:t>
+            </a:r>
+            <a:br>
+              <a:rPr lang="en-US" sz="2400" dirty="0"/>
+            </a:br>
+            <a:br>
+              <a:rPr lang="en-US" sz="2400" dirty="0"/>
+            </a:br>
+            <a:r>
+              <a:rPr lang="en-US" sz="2400" dirty="0"/>
+              <a:t>Each player gets a task selected randomly from 7 tasks.</a:t>
+            </a:r>
+            <a:br>
+              <a:rPr lang="en-US" sz="2400" dirty="0"/>
+            </a:br>
+            <a:br>
+              <a:rPr lang="en-US" sz="2400" dirty="0"/>
+            </a:br>
+            <a:r>
+              <a:rPr lang="en-US" sz="2400" dirty="0"/>
+              <a:t>Then two more messages detailing the task each player has to perform are displayed.</a:t>
+            </a:r>
+            <a:br>
+              <a:rPr lang="en-US" sz="2400" dirty="0"/>
+            </a:br>
+            <a:r>
+              <a:rPr lang="en-US" sz="2400" dirty="0"/>
+              <a:t> </a:t>
+            </a:r>
+            <a:br>
+              <a:rPr lang="en-US" sz="2400" dirty="0"/>
+            </a:br>
+            <a:r>
+              <a:rPr lang="en-US" sz="2400" dirty="0"/>
+              <a:t>The game begins after the messages disappear.</a:t>
+            </a:r>
+            <a:br>
+              <a:rPr lang="en-US" sz="2400" dirty="0"/>
+            </a:br>
+            <a:r>
+              <a:rPr lang="en-US" sz="2400" dirty="0"/>
+              <a:t>  </a:t>
+            </a:r>
+          </a:p>
+        </p:txBody>
+      </p:sp>
     </p:spTree>
     <p:extLst>
       <p:ext uri="{BB962C8B-B14F-4D97-AF65-F5344CB8AC3E}">
@@ -6389,56 +6466,36 @@
           <a:chExt cx="0" cy="0"/>
         </a:xfrm>
       </p:grpSpPr>
-      <p:sp>
-        <p:nvSpPr>
-          <p:cNvPr id="2" name="Title 1">
+      <p:pic>
+        <p:nvPicPr>
+          <p:cNvPr id="5" name="Picture 4" descr="Timeline&#10;&#10;Description automatically generated">
             <a:extLst>
               <a:ext uri="{FF2B5EF4-FFF2-40B4-BE49-F238E27FC236}">
-                <a16:creationId xmlns:a16="http://schemas.microsoft.com/office/drawing/2014/main" id="{48A53F50-B5AA-CFA9-C32D-93F547D87071}"/>
+                <a16:creationId xmlns:a16="http://schemas.microsoft.com/office/drawing/2014/main" id="{8AE05DC1-B8FF-4B3A-83D2-92B4D396C7BD}"/>
               </a:ext>
             </a:extLst>
           </p:cNvPr>
-          <p:cNvSpPr>
-            <a:spLocks noGrp="1"/>
-          </p:cNvSpPr>
-          <p:nvPr>
-            <p:ph type="title"/>
-          </p:nvPr>
-        </p:nvSpPr>
-        <p:spPr/>
-        <p:txBody>
-          <a:bodyPr/>
-          <a:lstStyle/>
-          <a:p>
-            <a:endParaRPr lang="en-US"/>
-          </a:p>
-        </p:txBody>
-      </p:sp>
-      <p:sp>
-        <p:nvSpPr>
-          <p:cNvPr id="3" name="Content Placeholder 2">
-            <a:extLst>
-              <a:ext uri="{FF2B5EF4-FFF2-40B4-BE49-F238E27FC236}">
-                <a16:creationId xmlns:a16="http://schemas.microsoft.com/office/drawing/2014/main" id="{1C407ACD-BD24-28E2-D8CD-1C8DEB9FEDE7}"/>
-              </a:ext>
-            </a:extLst>
-          </p:cNvPr>
-          <p:cNvSpPr>
-            <a:spLocks noGrp="1"/>
-          </p:cNvSpPr>
-          <p:nvPr>
-            <p:ph idx="1"/>
-          </p:nvPr>
-        </p:nvSpPr>
-        <p:spPr/>
-        <p:txBody>
-          <a:bodyPr/>
-          <a:lstStyle/>
-          <a:p>
-            <a:endParaRPr lang="en-US"/>
-          </a:p>
-        </p:txBody>
-      </p:sp>
+          <p:cNvPicPr>
+            <a:picLocks noChangeAspect="1"/>
+          </p:cNvPicPr>
+          <p:nvPr/>
+        </p:nvPicPr>
+        <p:blipFill>
+          <a:blip r:embed="rId2"/>
+          <a:stretch>
+            <a:fillRect/>
+          </a:stretch>
+        </p:blipFill>
+        <p:spPr>
+          <a:xfrm>
+            <a:off x="1561707" y="114012"/>
+            <a:ext cx="9068586" cy="6629975"/>
+          </a:xfrm>
+          <a:prstGeom prst="rect">
+            <a:avLst/>
+          </a:prstGeom>
+        </p:spPr>
+      </p:pic>
     </p:spTree>
     <p:extLst>
       <p:ext uri="{BB962C8B-B14F-4D97-AF65-F5344CB8AC3E}">
@@ -6469,60 +6526,40 @@
           <a:chExt cx="0" cy="0"/>
         </a:xfrm>
       </p:grpSpPr>
-      <p:sp>
-        <p:nvSpPr>
-          <p:cNvPr id="2" name="Title 1">
+      <p:pic>
+        <p:nvPicPr>
+          <p:cNvPr id="5" name="Picture 4" descr="Timeline&#10;&#10;Description automatically generated">
             <a:extLst>
               <a:ext uri="{FF2B5EF4-FFF2-40B4-BE49-F238E27FC236}">
-                <a16:creationId xmlns:a16="http://schemas.microsoft.com/office/drawing/2014/main" id="{DCBF377B-1AFC-1D1E-2CC7-7825ABB9C0C6}"/>
+                <a16:creationId xmlns:a16="http://schemas.microsoft.com/office/drawing/2014/main" id="{D5ACA3C1-2655-4616-B299-5098D5B640FA}"/>
               </a:ext>
             </a:extLst>
           </p:cNvPr>
-          <p:cNvSpPr>
-            <a:spLocks noGrp="1"/>
-          </p:cNvSpPr>
-          <p:nvPr>
-            <p:ph type="title"/>
-          </p:nvPr>
-        </p:nvSpPr>
-        <p:spPr/>
-        <p:txBody>
-          <a:bodyPr/>
-          <a:lstStyle/>
-          <a:p>
-            <a:endParaRPr lang="en-US"/>
-          </a:p>
-        </p:txBody>
-      </p:sp>
-      <p:sp>
-        <p:nvSpPr>
-          <p:cNvPr id="3" name="Content Placeholder 2">
-            <a:extLst>
-              <a:ext uri="{FF2B5EF4-FFF2-40B4-BE49-F238E27FC236}">
-                <a16:creationId xmlns:a16="http://schemas.microsoft.com/office/drawing/2014/main" id="{59239880-686A-E853-DEEB-6048F1C9A93A}"/>
-              </a:ext>
-            </a:extLst>
-          </p:cNvPr>
-          <p:cNvSpPr>
-            <a:spLocks noGrp="1"/>
-          </p:cNvSpPr>
-          <p:nvPr>
-            <p:ph idx="1"/>
-          </p:nvPr>
-        </p:nvSpPr>
-        <p:spPr/>
-        <p:txBody>
-          <a:bodyPr/>
-          <a:lstStyle/>
-          <a:p>
-            <a:endParaRPr lang="en-US"/>
-          </a:p>
-        </p:txBody>
-      </p:sp>
+          <p:cNvPicPr>
+            <a:picLocks noChangeAspect="1"/>
+          </p:cNvPicPr>
+          <p:nvPr/>
+        </p:nvPicPr>
+        <p:blipFill>
+          <a:blip r:embed="rId2"/>
+          <a:stretch>
+            <a:fillRect/>
+          </a:stretch>
+        </p:blipFill>
+        <p:spPr>
+          <a:xfrm>
+            <a:off x="1573138" y="133064"/>
+            <a:ext cx="9045724" cy="6591871"/>
+          </a:xfrm>
+          <a:prstGeom prst="rect">
+            <a:avLst/>
+          </a:prstGeom>
+        </p:spPr>
+      </p:pic>
     </p:spTree>
     <p:extLst>
       <p:ext uri="{BB962C8B-B14F-4D97-AF65-F5344CB8AC3E}">
-        <p14:creationId xmlns:p14="http://schemas.microsoft.com/office/powerpoint/2010/main" val="2474796854"/>
+        <p14:creationId xmlns:p14="http://schemas.microsoft.com/office/powerpoint/2010/main" val="3059210139"/>
       </p:ext>
     </p:extLst>
   </p:cSld>
@@ -6549,60 +6586,40 @@
           <a:chExt cx="0" cy="0"/>
         </a:xfrm>
       </p:grpSpPr>
-      <p:sp>
-        <p:nvSpPr>
-          <p:cNvPr id="2" name="Title 1">
+      <p:pic>
+        <p:nvPicPr>
+          <p:cNvPr id="5" name="Picture 4" descr="Timeline&#10;&#10;Description automatically generated">
             <a:extLst>
               <a:ext uri="{FF2B5EF4-FFF2-40B4-BE49-F238E27FC236}">
-                <a16:creationId xmlns:a16="http://schemas.microsoft.com/office/drawing/2014/main" id="{65D949F6-7562-A7C2-CD5D-21398B4AC2C5}"/>
+                <a16:creationId xmlns:a16="http://schemas.microsoft.com/office/drawing/2014/main" id="{54A5D6CC-E056-41FD-A2F7-241DDDCAA1C3}"/>
               </a:ext>
             </a:extLst>
           </p:cNvPr>
-          <p:cNvSpPr>
-            <a:spLocks noGrp="1"/>
-          </p:cNvSpPr>
-          <p:nvPr>
-            <p:ph type="title"/>
-          </p:nvPr>
-        </p:nvSpPr>
-        <p:spPr/>
-        <p:txBody>
-          <a:bodyPr/>
-          <a:lstStyle/>
-          <a:p>
-            <a:endParaRPr lang="en-US"/>
-          </a:p>
-        </p:txBody>
-      </p:sp>
-      <p:sp>
-        <p:nvSpPr>
-          <p:cNvPr id="3" name="Content Placeholder 2">
-            <a:extLst>
-              <a:ext uri="{FF2B5EF4-FFF2-40B4-BE49-F238E27FC236}">
-                <a16:creationId xmlns:a16="http://schemas.microsoft.com/office/drawing/2014/main" id="{F2ADC404-2FC2-2772-29DD-6D5D0F7EA6AD}"/>
-              </a:ext>
-            </a:extLst>
-          </p:cNvPr>
-          <p:cNvSpPr>
-            <a:spLocks noGrp="1"/>
-          </p:cNvSpPr>
-          <p:nvPr>
-            <p:ph idx="1"/>
-          </p:nvPr>
-        </p:nvSpPr>
-        <p:spPr/>
-        <p:txBody>
-          <a:bodyPr/>
-          <a:lstStyle/>
-          <a:p>
-            <a:endParaRPr lang="en-US"/>
-          </a:p>
-        </p:txBody>
-      </p:sp>
+          <p:cNvPicPr>
+            <a:picLocks noChangeAspect="1"/>
+          </p:cNvPicPr>
+          <p:nvPr/>
+        </p:nvPicPr>
+        <p:blipFill>
+          <a:blip r:embed="rId2"/>
+          <a:stretch>
+            <a:fillRect/>
+          </a:stretch>
+        </p:blipFill>
+        <p:spPr>
+          <a:xfrm>
+            <a:off x="1550276" y="98771"/>
+            <a:ext cx="9091448" cy="6660457"/>
+          </a:xfrm>
+          <a:prstGeom prst="rect">
+            <a:avLst/>
+          </a:prstGeom>
+        </p:spPr>
+      </p:pic>
     </p:spTree>
     <p:extLst>
       <p:ext uri="{BB962C8B-B14F-4D97-AF65-F5344CB8AC3E}">
-        <p14:creationId xmlns:p14="http://schemas.microsoft.com/office/powerpoint/2010/main" val="3059210139"/>
+        <p14:creationId xmlns:p14="http://schemas.microsoft.com/office/powerpoint/2010/main" val="2474796854"/>
       </p:ext>
     </p:extLst>
   </p:cSld>
@@ -6645,40 +6662,56 @@
             <p:ph type="title"/>
           </p:nvPr>
         </p:nvSpPr>
-        <p:spPr/>
-        <p:txBody>
-          <a:bodyPr/>
-          <a:lstStyle/>
-          <a:p>
-            <a:endParaRPr lang="en-US"/>
-          </a:p>
-        </p:txBody>
-      </p:sp>
-      <p:sp>
-        <p:nvSpPr>
-          <p:cNvPr id="3" name="Content Placeholder 2">
+        <p:spPr>
+          <a:xfrm>
+            <a:off x="1790700" y="0"/>
+            <a:ext cx="8610600" cy="739302"/>
+          </a:xfrm>
+        </p:spPr>
+        <p:txBody>
+          <a:bodyPr>
+            <a:normAutofit/>
+          </a:bodyPr>
+          <a:lstStyle/>
+          <a:p>
+            <a:pPr algn="ctr"/>
+            <a:r>
+              <a:rPr lang="en-US" sz="2800" dirty="0"/>
+              <a:t>When you play the Game, it looks like this.</a:t>
+            </a:r>
+          </a:p>
+        </p:txBody>
+      </p:sp>
+      <p:pic>
+        <p:nvPicPr>
+          <p:cNvPr id="5" name="Picture 4" descr="Graphical user interface&#10;&#10;Description automatically generated">
             <a:extLst>
               <a:ext uri="{FF2B5EF4-FFF2-40B4-BE49-F238E27FC236}">
-                <a16:creationId xmlns:a16="http://schemas.microsoft.com/office/drawing/2014/main" id="{D87D27C5-420B-DAC0-9FD2-CFAAB8FB0BDC}"/>
+                <a16:creationId xmlns:a16="http://schemas.microsoft.com/office/drawing/2014/main" id="{934E2C49-A97E-4CE9-BCF7-F39B9150FE0B}"/>
               </a:ext>
             </a:extLst>
           </p:cNvPr>
-          <p:cNvSpPr>
-            <a:spLocks noGrp="1"/>
-          </p:cNvSpPr>
-          <p:nvPr>
-            <p:ph idx="1"/>
-          </p:nvPr>
-        </p:nvSpPr>
-        <p:spPr/>
-        <p:txBody>
-          <a:bodyPr/>
-          <a:lstStyle/>
-          <a:p>
-            <a:endParaRPr lang="en-US"/>
-          </a:p>
-        </p:txBody>
-      </p:sp>
+          <p:cNvPicPr>
+            <a:picLocks noChangeAspect="1"/>
+          </p:cNvPicPr>
+          <p:nvPr/>
+        </p:nvPicPr>
+        <p:blipFill>
+          <a:blip r:embed="rId2"/>
+          <a:stretch>
+            <a:fillRect/>
+          </a:stretch>
+        </p:blipFill>
+        <p:spPr>
+          <a:xfrm>
+            <a:off x="230221" y="739302"/>
+            <a:ext cx="11731557" cy="5879155"/>
+          </a:xfrm>
+          <a:prstGeom prst="rect">
+            <a:avLst/>
+          </a:prstGeom>
+        </p:spPr>
+      </p:pic>
     </p:spTree>
     <p:extLst>
       <p:ext uri="{BB962C8B-B14F-4D97-AF65-F5344CB8AC3E}">
